--- a/báo cáo.pptx
+++ b/báo cáo.pptx
@@ -270,8 +270,11 @@
     </a:lvl9pPr>
   </p:defaultTextStyle>
   <p:extLst>
+    <p:ext uri="{EFAFB233-063F-42B5-8137-9DF3F51BA10A}">
+      <p15:sldGuideLst xmlns:p15="http://schemas.microsoft.com/office/powerpoint/2012/main"/>
+    </p:ext>
     <p:ext uri="http://customooxmlschemas.google.com/">
-      <go:slidesCustomData xmlns:go="http://customooxmlschemas.google.com/" xmlns:ahyp="http://schemas.microsoft.com/office/drawing/2018/hyperlinkcolor" xmlns:p15="http://schemas.microsoft.com/office/powerpoint/2012/main" xmlns:p14="http://schemas.microsoft.com/office/powerpoint/2010/main" xmlns:com="http://schemas.openxmlformats.org/drawingml/2006/compatibility" xmlns:pvml="urn:schemas-microsoft-com:office:powerpoint" xmlns:v="urn:schemas-microsoft-com:vml" xmlns:o="urn:schemas-microsoft-com:office:office" xmlns:dgm="http://schemas.openxmlformats.org/drawingml/2006/diagram" xmlns:c="http://schemas.openxmlformats.org/drawingml/2006/chart" xmlns:mv="urn:schemas-microsoft-com:mac:vml" xmlns:mc="http://schemas.openxmlformats.org/markup-compatibility/2006" xmlns="" r:id="rId24" roundtripDataSignature="AMtx7mjnKPlruFUmzKFJ6uFAeo6yv3Q89Q=="/>
+      <go:slidesCustomData xmlns="" xmlns:mc="http://schemas.openxmlformats.org/markup-compatibility/2006" xmlns:mv="urn:schemas-microsoft-com:mac:vml" xmlns:c="http://schemas.openxmlformats.org/drawingml/2006/chart" xmlns:dgm="http://schemas.openxmlformats.org/drawingml/2006/diagram" xmlns:o="urn:schemas-microsoft-com:office:office" xmlns:v="urn:schemas-microsoft-com:vml" xmlns:pvml="urn:schemas-microsoft-com:office:powerpoint" xmlns:com="http://schemas.openxmlformats.org/drawingml/2006/compatibility" xmlns:p14="http://schemas.microsoft.com/office/powerpoint/2010/main" xmlns:p15="http://schemas.microsoft.com/office/powerpoint/2012/main" xmlns:ahyp="http://schemas.microsoft.com/office/drawing/2018/hyperlinkcolor" xmlns:go="http://customooxmlschemas.google.com/" r:id="rId24" roundtripDataSignature="AMtx7mjnKPlruFUmzKFJ6uFAeo6yv3Q89Q=="/>
     </p:ext>
   </p:extLst>
 </p:presentation>
@@ -3644,14 +3647,6 @@
 <file path=ppt/slideLayouts/slideLayout1.xml><?xml version="1.0" encoding="utf-8"?>
 <p:sldLayout xmlns:a="http://schemas.openxmlformats.org/drawingml/2006/main" xmlns:r="http://schemas.openxmlformats.org/officeDocument/2006/relationships" xmlns:p="http://schemas.openxmlformats.org/presentationml/2006/main" matchingName="Title and Content" type="obj">
   <p:cSld name="OBJECT">
-    <p:bg>
-      <p:bgPr>
-        <a:solidFill>
-          <a:schemeClr val="lt1"/>
-        </a:solidFill>
-        <a:effectLst/>
-      </p:bgPr>
-    </p:bg>
     <p:spTree>
       <p:nvGrpSpPr>
         <p:cNvPr id="1" name="Shape 18"/>
@@ -14522,9 +14517,15 @@
   <p:cSld>
     <p:bg>
       <p:bgPr>
-        <a:solidFill>
-          <a:schemeClr val="lt1"/>
-        </a:solidFill>
+        <a:blipFill dpi="0" rotWithShape="1">
+          <a:blip r:embed="rId13">
+            <a:lum/>
+          </a:blip>
+          <a:srcRect/>
+          <a:stretch>
+            <a:fillRect t="-17000" b="-17000"/>
+          </a:stretch>
+        </a:blipFill>
         <a:effectLst/>
       </p:bgPr>
     </p:bg>
@@ -16023,7 +16024,7 @@
           <p:nvPr/>
         </p:nvPicPr>
         <p:blipFill rotWithShape="1">
-          <a:blip r:embed="rId13">
+          <a:blip r:embed="rId14">
             <a:alphaModFix/>
           </a:blip>
           <a:srcRect/>
@@ -17618,7 +17619,7 @@
         <p:fade/>
       </p:transition>
     </mc:Choice>
-    <mc:Fallback xmlns:ahyp="http://schemas.microsoft.com/office/drawing/2018/hyperlinkcolor" xmlns:p15="http://schemas.microsoft.com/office/powerpoint/2012/main" xmlns:com="http://schemas.openxmlformats.org/drawingml/2006/compatibility" xmlns:pvml="urn:schemas-microsoft-com:office:powerpoint" xmlns:v="urn:schemas-microsoft-com:vml" xmlns:o="urn:schemas-microsoft-com:office:office" xmlns:dgm="http://schemas.openxmlformats.org/drawingml/2006/diagram" xmlns:c="http://schemas.openxmlformats.org/drawingml/2006/chart" xmlns:mv="urn:schemas-microsoft-com:mac:vml" xmlns="">
+    <mc:Fallback xmlns="" xmlns:mv="urn:schemas-microsoft-com:mac:vml" xmlns:c="http://schemas.openxmlformats.org/drawingml/2006/chart" xmlns:dgm="http://schemas.openxmlformats.org/drawingml/2006/diagram" xmlns:o="urn:schemas-microsoft-com:office:office" xmlns:v="urn:schemas-microsoft-com:vml" xmlns:pvml="urn:schemas-microsoft-com:office:powerpoint" xmlns:com="http://schemas.openxmlformats.org/drawingml/2006/compatibility" xmlns:p15="http://schemas.microsoft.com/office/powerpoint/2012/main" xmlns:ahyp="http://schemas.microsoft.com/office/drawing/2018/hyperlinkcolor">
       <p:transition spd="slow">
         <p:fade/>
       </p:transition>
@@ -17805,7 +17806,7 @@
         <p:fade/>
       </p:transition>
     </mc:Choice>
-    <mc:Fallback xmlns:ahyp="http://schemas.microsoft.com/office/drawing/2018/hyperlinkcolor" xmlns:p15="http://schemas.microsoft.com/office/powerpoint/2012/main" xmlns:com="http://schemas.openxmlformats.org/drawingml/2006/compatibility" xmlns:pvml="urn:schemas-microsoft-com:office:powerpoint" xmlns:v="urn:schemas-microsoft-com:vml" xmlns:o="urn:schemas-microsoft-com:office:office" xmlns:dgm="http://schemas.openxmlformats.org/drawingml/2006/diagram" xmlns:c="http://schemas.openxmlformats.org/drawingml/2006/chart" xmlns:mv="urn:schemas-microsoft-com:mac:vml" xmlns="">
+    <mc:Fallback xmlns="" xmlns:mv="urn:schemas-microsoft-com:mac:vml" xmlns:c="http://schemas.openxmlformats.org/drawingml/2006/chart" xmlns:dgm="http://schemas.openxmlformats.org/drawingml/2006/diagram" xmlns:o="urn:schemas-microsoft-com:office:office" xmlns:v="urn:schemas-microsoft-com:vml" xmlns:pvml="urn:schemas-microsoft-com:office:powerpoint" xmlns:com="http://schemas.openxmlformats.org/drawingml/2006/compatibility" xmlns:p15="http://schemas.microsoft.com/office/powerpoint/2012/main" xmlns:ahyp="http://schemas.microsoft.com/office/drawing/2018/hyperlinkcolor">
       <p:transition spd="slow">
         <p:fade/>
       </p:transition>
@@ -17949,7 +17950,7 @@
         <p:fade/>
       </p:transition>
     </mc:Choice>
-    <mc:Fallback xmlns:ahyp="http://schemas.microsoft.com/office/drawing/2018/hyperlinkcolor" xmlns:p15="http://schemas.microsoft.com/office/powerpoint/2012/main" xmlns:com="http://schemas.openxmlformats.org/drawingml/2006/compatibility" xmlns:pvml="urn:schemas-microsoft-com:office:powerpoint" xmlns:v="urn:schemas-microsoft-com:vml" xmlns:o="urn:schemas-microsoft-com:office:office" xmlns:dgm="http://schemas.openxmlformats.org/drawingml/2006/diagram" xmlns:c="http://schemas.openxmlformats.org/drawingml/2006/chart" xmlns:mv="urn:schemas-microsoft-com:mac:vml" xmlns="">
+    <mc:Fallback xmlns="" xmlns:mv="urn:schemas-microsoft-com:mac:vml" xmlns:c="http://schemas.openxmlformats.org/drawingml/2006/chart" xmlns:dgm="http://schemas.openxmlformats.org/drawingml/2006/diagram" xmlns:o="urn:schemas-microsoft-com:office:office" xmlns:v="urn:schemas-microsoft-com:vml" xmlns:pvml="urn:schemas-microsoft-com:office:powerpoint" xmlns:com="http://schemas.openxmlformats.org/drawingml/2006/compatibility" xmlns:p15="http://schemas.microsoft.com/office/powerpoint/2012/main" xmlns:ahyp="http://schemas.microsoft.com/office/drawing/2018/hyperlinkcolor">
       <p:transition spd="slow">
         <p:fade/>
       </p:transition>
@@ -18073,7 +18074,7 @@
         <p:fade/>
       </p:transition>
     </mc:Choice>
-    <mc:Fallback xmlns:ahyp="http://schemas.microsoft.com/office/drawing/2018/hyperlinkcolor" xmlns:p15="http://schemas.microsoft.com/office/powerpoint/2012/main" xmlns:com="http://schemas.openxmlformats.org/drawingml/2006/compatibility" xmlns:pvml="urn:schemas-microsoft-com:office:powerpoint" xmlns:v="urn:schemas-microsoft-com:vml" xmlns:o="urn:schemas-microsoft-com:office:office" xmlns:dgm="http://schemas.openxmlformats.org/drawingml/2006/diagram" xmlns:c="http://schemas.openxmlformats.org/drawingml/2006/chart" xmlns:mv="urn:schemas-microsoft-com:mac:vml" xmlns="">
+    <mc:Fallback xmlns="" xmlns:mv="urn:schemas-microsoft-com:mac:vml" xmlns:c="http://schemas.openxmlformats.org/drawingml/2006/chart" xmlns:dgm="http://schemas.openxmlformats.org/drawingml/2006/diagram" xmlns:o="urn:schemas-microsoft-com:office:office" xmlns:v="urn:schemas-microsoft-com:vml" xmlns:pvml="urn:schemas-microsoft-com:office:powerpoint" xmlns:com="http://schemas.openxmlformats.org/drawingml/2006/compatibility" xmlns:p15="http://schemas.microsoft.com/office/powerpoint/2012/main" xmlns:ahyp="http://schemas.microsoft.com/office/drawing/2018/hyperlinkcolor">
       <p:transition spd="slow">
         <p:fade/>
       </p:transition>
@@ -18258,7 +18259,7 @@
         <p:fade/>
       </p:transition>
     </mc:Choice>
-    <mc:Fallback xmlns:ahyp="http://schemas.microsoft.com/office/drawing/2018/hyperlinkcolor" xmlns:p15="http://schemas.microsoft.com/office/powerpoint/2012/main" xmlns:com="http://schemas.openxmlformats.org/drawingml/2006/compatibility" xmlns:pvml="urn:schemas-microsoft-com:office:powerpoint" xmlns:v="urn:schemas-microsoft-com:vml" xmlns:o="urn:schemas-microsoft-com:office:office" xmlns:dgm="http://schemas.openxmlformats.org/drawingml/2006/diagram" xmlns:c="http://schemas.openxmlformats.org/drawingml/2006/chart" xmlns:mv="urn:schemas-microsoft-com:mac:vml" xmlns="">
+    <mc:Fallback xmlns="" xmlns:mv="urn:schemas-microsoft-com:mac:vml" xmlns:c="http://schemas.openxmlformats.org/drawingml/2006/chart" xmlns:dgm="http://schemas.openxmlformats.org/drawingml/2006/diagram" xmlns:o="urn:schemas-microsoft-com:office:office" xmlns:v="urn:schemas-microsoft-com:vml" xmlns:pvml="urn:schemas-microsoft-com:office:powerpoint" xmlns:com="http://schemas.openxmlformats.org/drawingml/2006/compatibility" xmlns:p15="http://schemas.microsoft.com/office/powerpoint/2012/main" xmlns:ahyp="http://schemas.microsoft.com/office/drawing/2018/hyperlinkcolor">
       <p:transition spd="slow">
         <p:fade/>
       </p:transition>
@@ -18296,7 +18297,7 @@
         </p:nvSpPr>
         <p:spPr>
           <a:xfrm>
-            <a:off x="2216150" y="152400"/>
+            <a:off x="2216150" y="0"/>
             <a:ext cx="8337600" cy="716100"/>
           </a:xfrm>
           <a:prstGeom prst="rect">
@@ -18342,8 +18343,8 @@
         </p:nvSpPr>
         <p:spPr>
           <a:xfrm>
-            <a:off x="0" y="1806801"/>
-            <a:ext cx="7417500" cy="584735"/>
+            <a:off x="1066800" y="2818183"/>
+            <a:ext cx="7417500" cy="2000507"/>
           </a:xfrm>
           <a:prstGeom prst="rect">
             <a:avLst/>
@@ -18359,6 +18360,209 @@
           </a:bodyPr>
           <a:lstStyle/>
           <a:p>
+            <a:pPr fontAlgn="base"/>
+            <a:r>
+              <a:rPr lang="en-US" sz="3200" dirty="0" smtClean="0">
+                <a:latin typeface="Times New Roman" panose="02020603050405020304" pitchFamily="18" charset="0"/>
+                <a:cs typeface="Times New Roman" panose="02020603050405020304" pitchFamily="18" charset="0"/>
+              </a:rPr>
+              <a:t>-</a:t>
+            </a:r>
+            <a:r>
+              <a:rPr lang="en-US" sz="3000" b="1" dirty="0" err="1" smtClean="0">
+                <a:latin typeface="Times New Roman" panose="02020603050405020304" pitchFamily="18" charset="0"/>
+                <a:cs typeface="Times New Roman" panose="02020603050405020304" pitchFamily="18" charset="0"/>
+              </a:rPr>
+              <a:t>Đặt</a:t>
+            </a:r>
+            <a:r>
+              <a:rPr lang="en-US" sz="3000" b="1" dirty="0" smtClean="0">
+                <a:latin typeface="Times New Roman" panose="02020603050405020304" pitchFamily="18" charset="0"/>
+                <a:cs typeface="Times New Roman" panose="02020603050405020304" pitchFamily="18" charset="0"/>
+              </a:rPr>
+              <a:t> </a:t>
+            </a:r>
+            <a:r>
+              <a:rPr lang="en-US" sz="3000" b="1" dirty="0" err="1" smtClean="0">
+                <a:latin typeface="Times New Roman" panose="02020603050405020304" pitchFamily="18" charset="0"/>
+                <a:cs typeface="Times New Roman" panose="02020603050405020304" pitchFamily="18" charset="0"/>
+              </a:rPr>
+              <a:t>vấn</a:t>
+            </a:r>
+            <a:r>
+              <a:rPr lang="en-US" sz="3000" b="1" dirty="0" smtClean="0">
+                <a:latin typeface="Times New Roman" panose="02020603050405020304" pitchFamily="18" charset="0"/>
+                <a:cs typeface="Times New Roman" panose="02020603050405020304" pitchFamily="18" charset="0"/>
+              </a:rPr>
+              <a:t> </a:t>
+            </a:r>
+            <a:r>
+              <a:rPr lang="en-US" sz="3000" b="1" dirty="0" err="1" smtClean="0">
+                <a:latin typeface="Times New Roman" panose="02020603050405020304" pitchFamily="18" charset="0"/>
+                <a:cs typeface="Times New Roman" panose="02020603050405020304" pitchFamily="18" charset="0"/>
+              </a:rPr>
+              <a:t>đề</a:t>
+            </a:r>
+            <a:endParaRPr lang="en-US" sz="3000" b="1" dirty="0" smtClean="0">
+              <a:latin typeface="Times New Roman" panose="02020603050405020304" pitchFamily="18" charset="0"/>
+              <a:cs typeface="Times New Roman" panose="02020603050405020304" pitchFamily="18" charset="0"/>
+            </a:endParaRPr>
+          </a:p>
+          <a:p>
+            <a:pPr fontAlgn="base"/>
+            <a:r>
+              <a:rPr lang="en-US" sz="3000" b="1" dirty="0" smtClean="0">
+                <a:latin typeface="Times New Roman" panose="02020603050405020304" pitchFamily="18" charset="0"/>
+                <a:cs typeface="Times New Roman" panose="02020603050405020304" pitchFamily="18" charset="0"/>
+              </a:rPr>
+              <a:t>-</a:t>
+            </a:r>
+            <a:r>
+              <a:rPr lang="en-US" sz="3000" b="1" dirty="0" err="1" smtClean="0">
+                <a:latin typeface="Times New Roman" panose="02020603050405020304" pitchFamily="18" charset="0"/>
+                <a:cs typeface="Times New Roman" panose="02020603050405020304" pitchFamily="18" charset="0"/>
+              </a:rPr>
+              <a:t>Mục</a:t>
+            </a:r>
+            <a:r>
+              <a:rPr lang="en-US" sz="3000" b="1" dirty="0" smtClean="0">
+                <a:latin typeface="Times New Roman" panose="02020603050405020304" pitchFamily="18" charset="0"/>
+                <a:cs typeface="Times New Roman" panose="02020603050405020304" pitchFamily="18" charset="0"/>
+              </a:rPr>
+              <a:t> </a:t>
+            </a:r>
+            <a:r>
+              <a:rPr lang="en-US" sz="3000" b="1" dirty="0" err="1" smtClean="0">
+                <a:latin typeface="Times New Roman" panose="02020603050405020304" pitchFamily="18" charset="0"/>
+                <a:cs typeface="Times New Roman" panose="02020603050405020304" pitchFamily="18" charset="0"/>
+              </a:rPr>
+              <a:t>tiêu</a:t>
+            </a:r>
+            <a:r>
+              <a:rPr lang="en-US" sz="3000" b="1" dirty="0" smtClean="0">
+                <a:latin typeface="Times New Roman" panose="02020603050405020304" pitchFamily="18" charset="0"/>
+                <a:cs typeface="Times New Roman" panose="02020603050405020304" pitchFamily="18" charset="0"/>
+              </a:rPr>
+              <a:t> </a:t>
+            </a:r>
+            <a:r>
+              <a:rPr lang="en-US" sz="3000" b="1" dirty="0" err="1" smtClean="0">
+                <a:latin typeface="Times New Roman" panose="02020603050405020304" pitchFamily="18" charset="0"/>
+                <a:cs typeface="Times New Roman" panose="02020603050405020304" pitchFamily="18" charset="0"/>
+              </a:rPr>
+              <a:t>và</a:t>
+            </a:r>
+            <a:r>
+              <a:rPr lang="en-US" sz="3000" b="1" dirty="0" smtClean="0">
+                <a:latin typeface="Times New Roman" panose="02020603050405020304" pitchFamily="18" charset="0"/>
+                <a:cs typeface="Times New Roman" panose="02020603050405020304" pitchFamily="18" charset="0"/>
+              </a:rPr>
+              <a:t> </a:t>
+            </a:r>
+            <a:r>
+              <a:rPr lang="en-US" sz="3000" b="1" dirty="0" err="1" smtClean="0">
+                <a:latin typeface="Times New Roman" panose="02020603050405020304" pitchFamily="18" charset="0"/>
+                <a:cs typeface="Times New Roman" panose="02020603050405020304" pitchFamily="18" charset="0"/>
+              </a:rPr>
+              <a:t>thuật</a:t>
+            </a:r>
+            <a:r>
+              <a:rPr lang="en-US" sz="3000" b="1" dirty="0" smtClean="0">
+                <a:latin typeface="Times New Roman" panose="02020603050405020304" pitchFamily="18" charset="0"/>
+                <a:cs typeface="Times New Roman" panose="02020603050405020304" pitchFamily="18" charset="0"/>
+              </a:rPr>
+              <a:t> </a:t>
+            </a:r>
+            <a:r>
+              <a:rPr lang="en-US" sz="3000" b="1" dirty="0" err="1" smtClean="0">
+                <a:latin typeface="Times New Roman" panose="02020603050405020304" pitchFamily="18" charset="0"/>
+                <a:cs typeface="Times New Roman" panose="02020603050405020304" pitchFamily="18" charset="0"/>
+              </a:rPr>
+              <a:t>toán</a:t>
+            </a:r>
+            <a:endParaRPr lang="en-US" sz="3000" b="1" dirty="0" smtClean="0">
+              <a:latin typeface="Times New Roman" panose="02020603050405020304" pitchFamily="18" charset="0"/>
+              <a:cs typeface="Times New Roman" panose="02020603050405020304" pitchFamily="18" charset="0"/>
+            </a:endParaRPr>
+          </a:p>
+          <a:p>
+            <a:pPr fontAlgn="base"/>
+            <a:r>
+              <a:rPr lang="en-US" sz="3000" b="1" dirty="0" smtClean="0">
+                <a:latin typeface="Times New Roman" panose="02020603050405020304" pitchFamily="18" charset="0"/>
+                <a:cs typeface="Times New Roman" panose="02020603050405020304" pitchFamily="18" charset="0"/>
+              </a:rPr>
+              <a:t>-</a:t>
+            </a:r>
+            <a:r>
+              <a:rPr lang="en-US" sz="3000" b="1" dirty="0" err="1" smtClean="0">
+                <a:latin typeface="Times New Roman" panose="02020603050405020304" pitchFamily="18" charset="0"/>
+                <a:cs typeface="Times New Roman" panose="02020603050405020304" pitchFamily="18" charset="0"/>
+              </a:rPr>
+              <a:t>Kết</a:t>
+            </a:r>
+            <a:r>
+              <a:rPr lang="en-US" sz="3000" b="1" dirty="0" smtClean="0">
+                <a:latin typeface="Times New Roman" panose="02020603050405020304" pitchFamily="18" charset="0"/>
+                <a:cs typeface="Times New Roman" panose="02020603050405020304" pitchFamily="18" charset="0"/>
+              </a:rPr>
+              <a:t> </a:t>
+            </a:r>
+            <a:r>
+              <a:rPr lang="en-US" sz="3000" b="1" dirty="0" err="1" smtClean="0">
+                <a:latin typeface="Times New Roman" panose="02020603050405020304" pitchFamily="18" charset="0"/>
+                <a:cs typeface="Times New Roman" panose="02020603050405020304" pitchFamily="18" charset="0"/>
+              </a:rPr>
+              <a:t>quả</a:t>
+            </a:r>
+            <a:r>
+              <a:rPr lang="en-US" sz="3000" b="1" dirty="0" smtClean="0">
+                <a:latin typeface="Times New Roman" panose="02020603050405020304" pitchFamily="18" charset="0"/>
+                <a:cs typeface="Times New Roman" panose="02020603050405020304" pitchFamily="18" charset="0"/>
+              </a:rPr>
+              <a:t> </a:t>
+            </a:r>
+            <a:r>
+              <a:rPr lang="en-US" sz="3000" b="1" dirty="0" err="1" smtClean="0">
+                <a:latin typeface="Times New Roman" panose="02020603050405020304" pitchFamily="18" charset="0"/>
+                <a:cs typeface="Times New Roman" panose="02020603050405020304" pitchFamily="18" charset="0"/>
+              </a:rPr>
+              <a:t>và</a:t>
+            </a:r>
+            <a:r>
+              <a:rPr lang="en-US" sz="3000" b="1" dirty="0" smtClean="0">
+                <a:latin typeface="Times New Roman" panose="02020603050405020304" pitchFamily="18" charset="0"/>
+                <a:cs typeface="Times New Roman" panose="02020603050405020304" pitchFamily="18" charset="0"/>
+              </a:rPr>
+              <a:t> </a:t>
+            </a:r>
+            <a:r>
+              <a:rPr lang="en-US" sz="3000" b="1" dirty="0" err="1" smtClean="0">
+                <a:latin typeface="Times New Roman" panose="02020603050405020304" pitchFamily="18" charset="0"/>
+                <a:cs typeface="Times New Roman" panose="02020603050405020304" pitchFamily="18" charset="0"/>
+              </a:rPr>
+              <a:t>đánh</a:t>
+            </a:r>
+            <a:r>
+              <a:rPr lang="en-US" sz="3000" b="1" dirty="0" smtClean="0">
+                <a:latin typeface="Times New Roman" panose="02020603050405020304" pitchFamily="18" charset="0"/>
+                <a:cs typeface="Times New Roman" panose="02020603050405020304" pitchFamily="18" charset="0"/>
+              </a:rPr>
+              <a:t> </a:t>
+            </a:r>
+            <a:r>
+              <a:rPr lang="en-US" sz="3000" b="1" dirty="0" err="1" smtClean="0">
+                <a:latin typeface="Times New Roman" panose="02020603050405020304" pitchFamily="18" charset="0"/>
+                <a:cs typeface="Times New Roman" panose="02020603050405020304" pitchFamily="18" charset="0"/>
+              </a:rPr>
+              <a:t>giá</a:t>
+            </a:r>
+            <a:endParaRPr lang="en-US" sz="3000" b="1" dirty="0" smtClean="0">
+              <a:latin typeface="Times New Roman" panose="02020603050405020304" pitchFamily="18" charset="0"/>
+              <a:cs typeface="Times New Roman" panose="02020603050405020304" pitchFamily="18" charset="0"/>
+            </a:endParaRPr>
+          </a:p>
+          <a:p>
             <a:pPr marL="457200" marR="0" lvl="0" indent="-431800" algn="l" rtl="0">
               <a:lnSpc>
                 <a:spcPct val="100000"/>
@@ -18377,121 +18581,13 @@
               <a:buChar char="•"/>
             </a:pPr>
             <a:r>
-              <a:rPr lang="en-US" sz="3200" b="0" i="0" u="none" strike="noStrike" cap="none" dirty="0" err="1" smtClean="0">
+              <a:rPr lang="en-US" sz="3200" b="0" i="0" u="none" strike="noStrike" cap="none" dirty="0" smtClean="0">
                 <a:solidFill>
                   <a:srgbClr val="002060"/>
                 </a:solidFill>
-                <a:latin typeface="Times New Roman"/>
+                <a:latin typeface="Times New Roman" panose="02020603050405020304" pitchFamily="18" charset="0"/>
                 <a:ea typeface="Times New Roman"/>
-                <a:cs typeface="Times New Roman"/>
-                <a:sym typeface="Times New Roman"/>
-              </a:rPr>
-              <a:t>Nhận</a:t>
-            </a:r>
-            <a:r>
-              <a:rPr lang="en-US" sz="3200" b="0" i="0" u="none" strike="noStrike" cap="none" dirty="0" smtClean="0">
-                <a:solidFill>
-                  <a:srgbClr val="002060"/>
-                </a:solidFill>
-                <a:latin typeface="Times New Roman"/>
-                <a:ea typeface="Times New Roman"/>
-                <a:cs typeface="Times New Roman"/>
-                <a:sym typeface="Times New Roman"/>
-              </a:rPr>
-              <a:t> </a:t>
-            </a:r>
-            <a:r>
-              <a:rPr lang="en-US" sz="3200" b="0" i="0" u="none" strike="noStrike" cap="none" dirty="0" err="1" smtClean="0">
-                <a:solidFill>
-                  <a:srgbClr val="002060"/>
-                </a:solidFill>
-                <a:latin typeface="Times New Roman"/>
-                <a:ea typeface="Times New Roman"/>
-                <a:cs typeface="Times New Roman"/>
-                <a:sym typeface="Times New Roman"/>
-              </a:rPr>
-              <a:t>diện</a:t>
-            </a:r>
-            <a:r>
-              <a:rPr lang="en-US" sz="3200" dirty="0">
-                <a:solidFill>
-                  <a:srgbClr val="002060"/>
-                </a:solidFill>
-                <a:latin typeface="Times New Roman"/>
-                <a:ea typeface="Times New Roman"/>
-                <a:cs typeface="Times New Roman"/>
-                <a:sym typeface="Times New Roman"/>
-              </a:rPr>
-              <a:t> </a:t>
-            </a:r>
-            <a:r>
-              <a:rPr lang="en-US" sz="3200" dirty="0" err="1" smtClean="0">
-                <a:solidFill>
-                  <a:srgbClr val="002060"/>
-                </a:solidFill>
-                <a:latin typeface="Times New Roman"/>
-                <a:ea typeface="Times New Roman"/>
-                <a:cs typeface="Times New Roman"/>
-                <a:sym typeface="Times New Roman"/>
-              </a:rPr>
-              <a:t>chữ</a:t>
-            </a:r>
-            <a:r>
-              <a:rPr lang="en-US" sz="3200" dirty="0" smtClean="0">
-                <a:solidFill>
-                  <a:srgbClr val="002060"/>
-                </a:solidFill>
-                <a:latin typeface="Times New Roman"/>
-                <a:ea typeface="Times New Roman"/>
-                <a:cs typeface="Times New Roman"/>
-                <a:sym typeface="Times New Roman"/>
-              </a:rPr>
-              <a:t> </a:t>
-            </a:r>
-            <a:r>
-              <a:rPr lang="en-US" sz="3200" dirty="0" err="1" smtClean="0">
-                <a:solidFill>
-                  <a:srgbClr val="002060"/>
-                </a:solidFill>
-                <a:latin typeface="Times New Roman"/>
-                <a:ea typeface="Times New Roman"/>
-                <a:cs typeface="Times New Roman"/>
-                <a:sym typeface="Times New Roman"/>
-              </a:rPr>
-              <a:t>viết</a:t>
-            </a:r>
-            <a:r>
-              <a:rPr lang="en-US" sz="3200" b="0" i="0" u="none" strike="noStrike" cap="none" dirty="0" smtClean="0">
-                <a:solidFill>
-                  <a:srgbClr val="002060"/>
-                </a:solidFill>
-                <a:latin typeface="Times New Roman"/>
-                <a:ea typeface="Times New Roman"/>
-                <a:cs typeface="Times New Roman"/>
-                <a:sym typeface="Times New Roman"/>
-              </a:rPr>
-              <a:t> </a:t>
-            </a:r>
-            <a:r>
-              <a:rPr lang="en-US" sz="3200" b="0" i="0" u="none" strike="noStrike" cap="none" dirty="0" err="1" smtClean="0">
-                <a:solidFill>
-                  <a:srgbClr val="002060"/>
-                </a:solidFill>
-                <a:latin typeface="Times New Roman"/>
-                <a:ea typeface="Times New Roman"/>
-                <a:cs typeface="Times New Roman"/>
-                <a:sym typeface="Times New Roman"/>
-              </a:rPr>
-              <a:t>tay</a:t>
-            </a:r>
-            <a:r>
-              <a:rPr lang="en-US" sz="3200" b="0" i="0" u="none" strike="noStrike" cap="none" dirty="0" smtClean="0">
-                <a:solidFill>
-                  <a:srgbClr val="002060"/>
-                </a:solidFill>
-                <a:latin typeface="Times New Roman"/>
-                <a:ea typeface="Times New Roman"/>
-                <a:cs typeface="Times New Roman"/>
+                <a:cs typeface="Times New Roman" panose="02020603050405020304" pitchFamily="18" charset="0"/>
                 <a:sym typeface="Times New Roman"/>
               </a:rPr>
               <a:t> </a:t>
@@ -18500,46 +18596,10 @@
               <a:solidFill>
                 <a:srgbClr val="002060"/>
               </a:solidFill>
-              <a:latin typeface="Times New Roman"/>
+              <a:latin typeface="Times New Roman" panose="02020603050405020304" pitchFamily="18" charset="0"/>
               <a:ea typeface="Times New Roman"/>
-              <a:cs typeface="Times New Roman"/>
+              <a:cs typeface="Times New Roman" panose="02020603050405020304" pitchFamily="18" charset="0"/>
               <a:sym typeface="Times New Roman"/>
-            </a:endParaRPr>
-          </a:p>
-        </p:txBody>
-      </p:sp>
-      <p:sp>
-        <p:nvSpPr>
-          <p:cNvPr id="2" name="Rectangle 1"/>
-          <p:cNvSpPr/>
-          <p:nvPr/>
-        </p:nvSpPr>
-        <p:spPr>
-          <a:xfrm>
-            <a:off x="288950" y="3068227"/>
-            <a:ext cx="6096000" cy="1015663"/>
-          </a:xfrm>
-          <a:prstGeom prst="rect">
-            <a:avLst/>
-          </a:prstGeom>
-        </p:spPr>
-        <p:txBody>
-          <a:bodyPr>
-            <a:spAutoFit/>
-          </a:bodyPr>
-          <a:lstStyle/>
-          <a:p>
-            <a:r>
-              <a:rPr lang="vi-VN" sz="2000" b="1" dirty="0">
-                <a:solidFill>
-                  <a:srgbClr val="1B1B1B"/>
-                </a:solidFill>
-                <a:latin typeface="+mj-lt"/>
-              </a:rPr>
-              <a:t>Hệ thống mà chúng ta xây dựng có nhiệm vụ nhận diện và phân biệt được 26 chữ cái in hoa (uppercase) trong tiếng anh: A, B, C, ..., Z</a:t>
-            </a:r>
-            <a:endParaRPr lang="en-US" sz="2000" b="1" dirty="0">
-              <a:latin typeface="+mj-lt"/>
             </a:endParaRPr>
           </a:p>
         </p:txBody>
@@ -18555,7 +18615,7 @@
         <p:fade/>
       </p:transition>
     </mc:Choice>
-    <mc:Fallback xmlns:ahyp="http://schemas.microsoft.com/office/drawing/2018/hyperlinkcolor" xmlns:p15="http://schemas.microsoft.com/office/powerpoint/2012/main" xmlns:com="http://schemas.openxmlformats.org/drawingml/2006/compatibility" xmlns:pvml="urn:schemas-microsoft-com:office:powerpoint" xmlns:v="urn:schemas-microsoft-com:vml" xmlns:o="urn:schemas-microsoft-com:office:office" xmlns:dgm="http://schemas.openxmlformats.org/drawingml/2006/diagram" xmlns:c="http://schemas.openxmlformats.org/drawingml/2006/chart" xmlns:mv="urn:schemas-microsoft-com:mac:vml" xmlns="">
+    <mc:Fallback xmlns="" xmlns:mv="urn:schemas-microsoft-com:mac:vml" xmlns:c="http://schemas.openxmlformats.org/drawingml/2006/chart" xmlns:dgm="http://schemas.openxmlformats.org/drawingml/2006/diagram" xmlns:o="urn:schemas-microsoft-com:office:office" xmlns:v="urn:schemas-microsoft-com:vml" xmlns:pvml="urn:schemas-microsoft-com:office:powerpoint" xmlns:com="http://schemas.openxmlformats.org/drawingml/2006/compatibility" xmlns:p15="http://schemas.microsoft.com/office/powerpoint/2012/main" xmlns:ahyp="http://schemas.microsoft.com/office/drawing/2018/hyperlinkcolor">
       <p:transition spd="slow">
         <p:fade/>
       </p:transition>
@@ -18612,32 +18672,28 @@
           <a:p>
             <a:pPr lvl="0"/>
             <a:r>
-              <a:rPr lang="en-US" dirty="0" err="1"/>
-              <a:t>Dữ</a:t>
-            </a:r>
-            <a:r>
-              <a:rPr lang="en-US" dirty="0"/>
+              <a:rPr lang="en-US" dirty="0" err="1" smtClean="0"/>
+              <a:t>Đặt</a:t>
+            </a:r>
+            <a:r>
+              <a:rPr lang="en-US" dirty="0" smtClean="0"/>
               <a:t> </a:t>
             </a:r>
             <a:r>
-              <a:rPr lang="en-US" dirty="0" err="1"/>
-              <a:t>liệu</a:t>
-            </a:r>
-            <a:r>
-              <a:rPr lang="en-US" dirty="0"/>
+              <a:rPr lang="en-US" dirty="0" err="1" smtClean="0"/>
+              <a:t>vấn</a:t>
+            </a:r>
+            <a:r>
+              <a:rPr lang="en-US" dirty="0" smtClean="0"/>
               <a:t> </a:t>
             </a:r>
             <a:r>
-              <a:rPr lang="en-US" dirty="0" err="1"/>
-              <a:t>sử</a:t>
-            </a:r>
-            <a:r>
-              <a:rPr lang="en-US" dirty="0"/>
+              <a:rPr lang="en-US" dirty="0" err="1" smtClean="0"/>
+              <a:t>đề</a:t>
+            </a:r>
+            <a:r>
+              <a:rPr lang="en-US" dirty="0" smtClean="0"/>
               <a:t> </a:t>
-            </a:r>
-            <a:r>
-              <a:rPr lang="en-US" dirty="0" err="1"/>
-              <a:t>dụng</a:t>
             </a:r>
             <a:endParaRPr lang="en-US" dirty="0"/>
           </a:p>
@@ -18652,7 +18708,7 @@
         <p:spPr>
           <a:xfrm>
             <a:off x="414351" y="2199548"/>
-            <a:ext cx="6959700" cy="584735"/>
+            <a:ext cx="6959700" cy="1077178"/>
           </a:xfrm>
           <a:prstGeom prst="rect">
             <a:avLst/>
@@ -18685,6 +18741,294 @@
               <a:buFont typeface="Arial"/>
               <a:buNone/>
             </a:pPr>
+            <a:r>
+              <a:rPr lang="en-US" sz="3200" b="0" i="0" u="none" strike="noStrike" cap="none" dirty="0" err="1" smtClean="0">
+                <a:solidFill>
+                  <a:srgbClr val="002060"/>
+                </a:solidFill>
+                <a:latin typeface="Times New Roman"/>
+                <a:ea typeface="Times New Roman"/>
+                <a:cs typeface="Times New Roman"/>
+                <a:sym typeface="Times New Roman"/>
+              </a:rPr>
+              <a:t>Nhận</a:t>
+            </a:r>
+            <a:r>
+              <a:rPr lang="en-US" sz="3200" b="0" i="0" u="none" strike="noStrike" cap="none" dirty="0" smtClean="0">
+                <a:solidFill>
+                  <a:srgbClr val="002060"/>
+                </a:solidFill>
+                <a:latin typeface="Times New Roman"/>
+                <a:ea typeface="Times New Roman"/>
+                <a:cs typeface="Times New Roman"/>
+                <a:sym typeface="Times New Roman"/>
+              </a:rPr>
+              <a:t> </a:t>
+            </a:r>
+            <a:r>
+              <a:rPr lang="en-US" sz="3200" b="0" i="0" u="none" strike="noStrike" cap="none" dirty="0" err="1" smtClean="0">
+                <a:solidFill>
+                  <a:srgbClr val="002060"/>
+                </a:solidFill>
+                <a:latin typeface="Times New Roman"/>
+                <a:ea typeface="Times New Roman"/>
+                <a:cs typeface="Times New Roman"/>
+                <a:sym typeface="Times New Roman"/>
+              </a:rPr>
+              <a:t>diễn</a:t>
+            </a:r>
+            <a:r>
+              <a:rPr lang="en-US" sz="3200" b="0" i="0" u="none" strike="noStrike" cap="none" dirty="0" smtClean="0">
+                <a:solidFill>
+                  <a:srgbClr val="002060"/>
+                </a:solidFill>
+                <a:latin typeface="Times New Roman"/>
+                <a:ea typeface="Times New Roman"/>
+                <a:cs typeface="Times New Roman"/>
+                <a:sym typeface="Times New Roman"/>
+              </a:rPr>
+              <a:t> </a:t>
+            </a:r>
+            <a:r>
+              <a:rPr lang="en-US" sz="3200" b="0" i="0" u="none" strike="noStrike" cap="none" dirty="0" err="1" smtClean="0">
+                <a:solidFill>
+                  <a:srgbClr val="002060"/>
+                </a:solidFill>
+                <a:latin typeface="Times New Roman"/>
+                <a:ea typeface="Times New Roman"/>
+                <a:cs typeface="Times New Roman"/>
+                <a:sym typeface="Times New Roman"/>
+              </a:rPr>
+              <a:t>chữ</a:t>
+            </a:r>
+            <a:r>
+              <a:rPr lang="en-US" sz="3200" b="0" i="0" u="none" strike="noStrike" cap="none" dirty="0" smtClean="0">
+                <a:solidFill>
+                  <a:srgbClr val="002060"/>
+                </a:solidFill>
+                <a:latin typeface="Times New Roman"/>
+                <a:ea typeface="Times New Roman"/>
+                <a:cs typeface="Times New Roman"/>
+                <a:sym typeface="Times New Roman"/>
+              </a:rPr>
+              <a:t> </a:t>
+            </a:r>
+            <a:r>
+              <a:rPr lang="en-US" sz="3200" b="0" i="0" u="none" strike="noStrike" cap="none" dirty="0" err="1" smtClean="0">
+                <a:solidFill>
+                  <a:srgbClr val="002060"/>
+                </a:solidFill>
+                <a:latin typeface="Times New Roman"/>
+                <a:ea typeface="Times New Roman"/>
+                <a:cs typeface="Times New Roman"/>
+                <a:sym typeface="Times New Roman"/>
+              </a:rPr>
+              <a:t>viết</a:t>
+            </a:r>
+            <a:r>
+              <a:rPr lang="en-US" sz="3200" b="0" i="0" u="none" strike="noStrike" cap="none" dirty="0" smtClean="0">
+                <a:solidFill>
+                  <a:srgbClr val="002060"/>
+                </a:solidFill>
+                <a:latin typeface="Times New Roman"/>
+                <a:ea typeface="Times New Roman"/>
+                <a:cs typeface="Times New Roman"/>
+                <a:sym typeface="Times New Roman"/>
+              </a:rPr>
+              <a:t> </a:t>
+            </a:r>
+            <a:r>
+              <a:rPr lang="en-US" sz="3200" b="0" i="0" u="none" strike="noStrike" cap="none" dirty="0" err="1" smtClean="0">
+                <a:solidFill>
+                  <a:srgbClr val="002060"/>
+                </a:solidFill>
+                <a:latin typeface="Times New Roman"/>
+                <a:ea typeface="Times New Roman"/>
+                <a:cs typeface="Times New Roman"/>
+                <a:sym typeface="Times New Roman"/>
+              </a:rPr>
+              <a:t>tay</a:t>
+            </a:r>
+            <a:r>
+              <a:rPr lang="en-US" sz="3200" b="0" i="0" u="none" strike="noStrike" cap="none" dirty="0" smtClean="0">
+                <a:solidFill>
+                  <a:srgbClr val="002060"/>
+                </a:solidFill>
+                <a:latin typeface="Times New Roman"/>
+                <a:ea typeface="Times New Roman"/>
+                <a:cs typeface="Times New Roman"/>
+                <a:sym typeface="Times New Roman"/>
+              </a:rPr>
+              <a:t> </a:t>
+            </a:r>
+            <a:r>
+              <a:rPr lang="en-US" sz="3200" b="0" i="0" u="none" strike="noStrike" cap="none" dirty="0" err="1" smtClean="0">
+                <a:solidFill>
+                  <a:srgbClr val="002060"/>
+                </a:solidFill>
+                <a:latin typeface="Times New Roman"/>
+                <a:ea typeface="Times New Roman"/>
+                <a:cs typeface="Times New Roman"/>
+                <a:sym typeface="Times New Roman"/>
+              </a:rPr>
+              <a:t>là</a:t>
+            </a:r>
+            <a:r>
+              <a:rPr lang="en-US" sz="3200" b="0" i="0" u="none" strike="noStrike" cap="none" dirty="0" smtClean="0">
+                <a:solidFill>
+                  <a:srgbClr val="002060"/>
+                </a:solidFill>
+                <a:latin typeface="Times New Roman"/>
+                <a:ea typeface="Times New Roman"/>
+                <a:cs typeface="Times New Roman"/>
+                <a:sym typeface="Times New Roman"/>
+              </a:rPr>
+              <a:t> </a:t>
+            </a:r>
+            <a:r>
+              <a:rPr lang="en-US" sz="3200" b="0" i="0" u="none" strike="noStrike" cap="none" dirty="0" err="1" smtClean="0">
+                <a:solidFill>
+                  <a:srgbClr val="002060"/>
+                </a:solidFill>
+                <a:latin typeface="Times New Roman"/>
+                <a:ea typeface="Times New Roman"/>
+                <a:cs typeface="Times New Roman"/>
+                <a:sym typeface="Times New Roman"/>
+              </a:rPr>
+              <a:t>một</a:t>
+            </a:r>
+            <a:r>
+              <a:rPr lang="en-US" sz="3200" b="0" i="0" u="none" strike="noStrike" cap="none" dirty="0" smtClean="0">
+                <a:solidFill>
+                  <a:srgbClr val="002060"/>
+                </a:solidFill>
+                <a:latin typeface="Times New Roman"/>
+                <a:ea typeface="Times New Roman"/>
+                <a:cs typeface="Times New Roman"/>
+                <a:sym typeface="Times New Roman"/>
+              </a:rPr>
+              <a:t> </a:t>
+            </a:r>
+            <a:r>
+              <a:rPr lang="en-US" sz="3200" b="0" i="0" u="none" strike="noStrike" cap="none" dirty="0" err="1" smtClean="0">
+                <a:solidFill>
+                  <a:srgbClr val="002060"/>
+                </a:solidFill>
+                <a:latin typeface="Times New Roman"/>
+                <a:ea typeface="Times New Roman"/>
+                <a:cs typeface="Times New Roman"/>
+                <a:sym typeface="Times New Roman"/>
+              </a:rPr>
+              <a:t>trong</a:t>
+            </a:r>
+            <a:r>
+              <a:rPr lang="en-US" sz="3200" b="0" i="0" u="none" strike="noStrike" cap="none" dirty="0" smtClean="0">
+                <a:solidFill>
+                  <a:srgbClr val="002060"/>
+                </a:solidFill>
+                <a:latin typeface="Times New Roman"/>
+                <a:ea typeface="Times New Roman"/>
+                <a:cs typeface="Times New Roman"/>
+                <a:sym typeface="Times New Roman"/>
+              </a:rPr>
+              <a:t> </a:t>
+            </a:r>
+            <a:r>
+              <a:rPr lang="en-US" sz="3200" b="0" i="0" u="none" strike="noStrike" cap="none" dirty="0" err="1" smtClean="0">
+                <a:solidFill>
+                  <a:srgbClr val="002060"/>
+                </a:solidFill>
+                <a:latin typeface="Times New Roman"/>
+                <a:ea typeface="Times New Roman"/>
+                <a:cs typeface="Times New Roman"/>
+                <a:sym typeface="Times New Roman"/>
+              </a:rPr>
+              <a:t>những</a:t>
+            </a:r>
+            <a:r>
+              <a:rPr lang="en-US" sz="3200" b="0" i="0" u="none" strike="noStrike" cap="none" dirty="0" smtClean="0">
+                <a:solidFill>
+                  <a:srgbClr val="002060"/>
+                </a:solidFill>
+                <a:latin typeface="Times New Roman"/>
+                <a:ea typeface="Times New Roman"/>
+                <a:cs typeface="Times New Roman"/>
+                <a:sym typeface="Times New Roman"/>
+              </a:rPr>
+              <a:t> </a:t>
+            </a:r>
+            <a:r>
+              <a:rPr lang="en-US" sz="3200" b="0" i="0" u="none" strike="noStrike" cap="none" dirty="0" err="1" smtClean="0">
+                <a:solidFill>
+                  <a:srgbClr val="002060"/>
+                </a:solidFill>
+                <a:latin typeface="Times New Roman"/>
+                <a:ea typeface="Times New Roman"/>
+                <a:cs typeface="Times New Roman"/>
+                <a:sym typeface="Times New Roman"/>
+              </a:rPr>
+              <a:t>ứng</a:t>
+            </a:r>
+            <a:r>
+              <a:rPr lang="en-US" sz="3200" b="0" i="0" u="none" strike="noStrike" cap="none" dirty="0" smtClean="0">
+                <a:solidFill>
+                  <a:srgbClr val="002060"/>
+                </a:solidFill>
+                <a:latin typeface="Times New Roman"/>
+                <a:ea typeface="Times New Roman"/>
+                <a:cs typeface="Times New Roman"/>
+                <a:sym typeface="Times New Roman"/>
+              </a:rPr>
+              <a:t> </a:t>
+            </a:r>
+            <a:r>
+              <a:rPr lang="en-US" sz="3200" b="0" i="0" u="none" strike="noStrike" cap="none" dirty="0" err="1" smtClean="0">
+                <a:solidFill>
+                  <a:srgbClr val="002060"/>
+                </a:solidFill>
+                <a:latin typeface="Times New Roman"/>
+                <a:ea typeface="Times New Roman"/>
+                <a:cs typeface="Times New Roman"/>
+                <a:sym typeface="Times New Roman"/>
+              </a:rPr>
+              <a:t>dụng</a:t>
+            </a:r>
+            <a:r>
+              <a:rPr lang="en-US" sz="3200" b="0" i="0" u="none" strike="noStrike" cap="none" dirty="0" smtClean="0">
+                <a:solidFill>
+                  <a:srgbClr val="002060"/>
+                </a:solidFill>
+                <a:latin typeface="Times New Roman"/>
+                <a:ea typeface="Times New Roman"/>
+                <a:cs typeface="Times New Roman"/>
+                <a:sym typeface="Times New Roman"/>
+              </a:rPr>
+              <a:t> </a:t>
+            </a:r>
+            <a:r>
+              <a:rPr lang="en-US" sz="3200" b="0" i="0" u="none" strike="noStrike" cap="none" dirty="0" err="1" smtClean="0">
+                <a:solidFill>
+                  <a:srgbClr val="002060"/>
+                </a:solidFill>
+                <a:latin typeface="Times New Roman"/>
+                <a:ea typeface="Times New Roman"/>
+                <a:cs typeface="Times New Roman"/>
+                <a:sym typeface="Times New Roman"/>
+              </a:rPr>
+              <a:t>để</a:t>
+            </a:r>
+            <a:r>
+              <a:rPr lang="en-US" sz="3200" b="0" i="0" u="none" strike="noStrike" cap="none" dirty="0" smtClean="0">
+                <a:solidFill>
+                  <a:srgbClr val="002060"/>
+                </a:solidFill>
+                <a:latin typeface="Times New Roman"/>
+                <a:ea typeface="Times New Roman"/>
+                <a:cs typeface="Times New Roman"/>
+                <a:sym typeface="Times New Roman"/>
+              </a:rPr>
+              <a:t> </a:t>
+            </a:r>
             <a:endParaRPr sz="3200" b="0" i="0" u="none" strike="noStrike" cap="none" dirty="0">
               <a:solidFill>
                 <a:srgbClr val="002060"/>
@@ -18699,14 +19043,14 @@
       </p:sp>
       <p:sp>
         <p:nvSpPr>
-          <p:cNvPr id="109" name="Google Shape;109;p4"/>
+          <p:cNvPr id="6" name="Google Shape;100;p3"/>
           <p:cNvSpPr txBox="1"/>
           <p:nvPr/>
         </p:nvSpPr>
         <p:spPr>
           <a:xfrm>
-            <a:off x="718250" y="1622325"/>
-            <a:ext cx="6655800" cy="1677352"/>
+            <a:off x="1066800" y="2818183"/>
+            <a:ext cx="7417500" cy="584735"/>
           </a:xfrm>
           <a:prstGeom prst="rect">
             <a:avLst/>
@@ -18717,210 +19061,36 @@
           </a:ln>
         </p:spPr>
         <p:txBody>
-          <a:bodyPr spcFirstLastPara="1" wrap="square" lIns="91425" tIns="91425" rIns="91425" bIns="91425" anchor="t" anchorCtr="0">
+          <a:bodyPr spcFirstLastPara="1" wrap="square" lIns="91425" tIns="45700" rIns="91425" bIns="45700" anchor="t" anchorCtr="0">
             <a:spAutoFit/>
           </a:bodyPr>
           <a:lstStyle/>
           <a:p>
-            <a:pPr marL="0" marR="0" lvl="0" indent="0" algn="just" rtl="0">
-              <a:lnSpc>
-                <a:spcPct val="150000"/>
-              </a:lnSpc>
-              <a:spcBef>
-                <a:spcPts val="1200"/>
-              </a:spcBef>
-              <a:spcAft>
-                <a:spcPts val="1200"/>
-              </a:spcAft>
-              <a:buClr>
-                <a:srgbClr val="000000"/>
-              </a:buClr>
-              <a:buSzPts val="2400"/>
-              <a:buFont typeface="Arial"/>
-              <a:buNone/>
-            </a:pPr>
-            <a:r>
-              <a:rPr lang="en-US" sz="2400" b="1" dirty="0" err="1" smtClean="0">
-                <a:solidFill>
-                  <a:schemeClr val="dk1"/>
-                </a:solidFill>
-                <a:latin typeface="Times New Roman"/>
+            <a:pPr fontAlgn="base"/>
+            <a:r>
+              <a:rPr lang="en-US" sz="3200" b="0" i="0" u="none" strike="noStrike" cap="none" dirty="0" smtClean="0">
+                <a:solidFill>
+                  <a:srgbClr val="002060"/>
+                </a:solidFill>
+                <a:latin typeface="Times New Roman" panose="02020603050405020304" pitchFamily="18" charset="0"/>
                 <a:ea typeface="Times New Roman"/>
-                <a:cs typeface="Times New Roman"/>
-                <a:sym typeface="Times New Roman"/>
-              </a:rPr>
-              <a:t>Sử</a:t>
-            </a:r>
-            <a:r>
-              <a:rPr lang="en-US" sz="2400" b="1" dirty="0" smtClean="0">
-                <a:solidFill>
-                  <a:schemeClr val="dk1"/>
-                </a:solidFill>
-                <a:latin typeface="Times New Roman"/>
-                <a:ea typeface="Times New Roman"/>
-                <a:cs typeface="Times New Roman"/>
+                <a:cs typeface="Times New Roman" panose="02020603050405020304" pitchFamily="18" charset="0"/>
                 <a:sym typeface="Times New Roman"/>
               </a:rPr>
               <a:t> </a:t>
             </a:r>
-            <a:r>
-              <a:rPr lang="en-US" sz="2400" b="1" dirty="0" err="1" smtClean="0">
-                <a:solidFill>
-                  <a:schemeClr val="dk1"/>
-                </a:solidFill>
-                <a:latin typeface="Times New Roman"/>
-                <a:ea typeface="Times New Roman"/>
-                <a:cs typeface="Times New Roman"/>
-                <a:sym typeface="Times New Roman"/>
-              </a:rPr>
-              <a:t>dụng</a:t>
-            </a:r>
-            <a:r>
-              <a:rPr lang="en-US" sz="2400" b="1" dirty="0" smtClean="0">
-                <a:solidFill>
-                  <a:schemeClr val="dk1"/>
-                </a:solidFill>
-                <a:latin typeface="Times New Roman"/>
-                <a:ea typeface="Times New Roman"/>
-                <a:cs typeface="Times New Roman"/>
-                <a:sym typeface="Times New Roman"/>
-              </a:rPr>
-              <a:t> </a:t>
-            </a:r>
-            <a:r>
-              <a:rPr lang="en-US" sz="2400" b="1" dirty="0" err="1" smtClean="0">
-                <a:solidFill>
-                  <a:schemeClr val="dk1"/>
-                </a:solidFill>
-                <a:latin typeface="Times New Roman"/>
-                <a:ea typeface="Times New Roman"/>
-                <a:cs typeface="Times New Roman"/>
-                <a:sym typeface="Times New Roman"/>
-              </a:rPr>
-              <a:t>bộ</a:t>
-            </a:r>
-            <a:r>
-              <a:rPr lang="en-US" sz="2400" b="1" dirty="0" smtClean="0">
-                <a:solidFill>
-                  <a:schemeClr val="dk1"/>
-                </a:solidFill>
-                <a:latin typeface="Times New Roman"/>
-                <a:ea typeface="Times New Roman"/>
-                <a:cs typeface="Times New Roman"/>
-                <a:sym typeface="Times New Roman"/>
-              </a:rPr>
-              <a:t> datasheet </a:t>
-            </a:r>
-            <a:r>
-              <a:rPr lang="en-US" sz="2400" b="1" dirty="0" err="1" smtClean="0">
-                <a:solidFill>
-                  <a:schemeClr val="dk1"/>
-                </a:solidFill>
-                <a:latin typeface="Times New Roman"/>
-                <a:ea typeface="Times New Roman"/>
-                <a:cs typeface="Times New Roman"/>
-                <a:sym typeface="Times New Roman"/>
-              </a:rPr>
-              <a:t>của</a:t>
-            </a:r>
-            <a:r>
-              <a:rPr lang="en-US" sz="2400" b="1" dirty="0" smtClean="0">
-                <a:solidFill>
-                  <a:schemeClr val="dk1"/>
-                </a:solidFill>
-                <a:latin typeface="Times New Roman"/>
-                <a:ea typeface="Times New Roman"/>
-                <a:cs typeface="Times New Roman"/>
-                <a:sym typeface="Times New Roman"/>
-              </a:rPr>
-              <a:t> </a:t>
-            </a:r>
-            <a:r>
-              <a:rPr lang="en-US" sz="2400" b="1" dirty="0" err="1" smtClean="0">
-                <a:solidFill>
-                  <a:schemeClr val="dk1"/>
-                </a:solidFill>
-                <a:latin typeface="Times New Roman"/>
-                <a:ea typeface="Times New Roman"/>
-                <a:cs typeface="Times New Roman"/>
-                <a:sym typeface="Times New Roman"/>
-              </a:rPr>
-              <a:t>kaggle</a:t>
-            </a:r>
-            <a:r>
-              <a:rPr lang="en-US" sz="2400" b="1" dirty="0" smtClean="0">
-                <a:solidFill>
-                  <a:schemeClr val="dk1"/>
-                </a:solidFill>
-                <a:latin typeface="Times New Roman"/>
-                <a:ea typeface="Times New Roman"/>
-                <a:cs typeface="Times New Roman"/>
-                <a:sym typeface="Times New Roman"/>
-              </a:rPr>
-              <a:t> : </a:t>
-            </a:r>
-          </a:p>
-          <a:p>
-            <a:pPr lvl="0" algn="just">
-              <a:lnSpc>
-                <a:spcPct val="150000"/>
-              </a:lnSpc>
-              <a:spcBef>
-                <a:spcPts val="1200"/>
-              </a:spcBef>
-              <a:spcAft>
-                <a:spcPts val="1200"/>
-              </a:spcAft>
-              <a:buSzPts val="2400"/>
-            </a:pPr>
-            <a:r>
-              <a:rPr lang="en-US" dirty="0">
-                <a:hlinkClick r:id="rId3"/>
-              </a:rPr>
-              <a:t>https://www.kaggle.com/sachinpatel21/az-handwritten-alphabets-in-csv-format</a:t>
-            </a:r>
-            <a:endParaRPr sz="2400" b="1" i="0" u="none" strike="noStrike" cap="none" dirty="0">
+            <a:endParaRPr sz="3200" b="0" i="0" u="none" strike="noStrike" cap="none" dirty="0">
               <a:solidFill>
-                <a:schemeClr val="dk1"/>
+                <a:srgbClr val="002060"/>
               </a:solidFill>
-              <a:latin typeface="Times New Roman"/>
+              <a:latin typeface="Times New Roman" panose="02020603050405020304" pitchFamily="18" charset="0"/>
               <a:ea typeface="Times New Roman"/>
-              <a:cs typeface="Times New Roman"/>
+              <a:cs typeface="Times New Roman" panose="02020603050405020304" pitchFamily="18" charset="0"/>
               <a:sym typeface="Times New Roman"/>
             </a:endParaRPr>
           </a:p>
         </p:txBody>
       </p:sp>
-      <p:pic>
-        <p:nvPicPr>
-          <p:cNvPr id="2" name="Picture 1"/>
-          <p:cNvPicPr>
-            <a:picLocks noChangeAspect="1"/>
-          </p:cNvPicPr>
-          <p:nvPr/>
-        </p:nvPicPr>
-        <p:blipFill>
-          <a:blip r:embed="rId4">
-            <a:extLst>
-              <a:ext uri="{28A0092B-C50C-407E-A947-70E740481C1C}">
-                <a14:useLocalDpi xmlns:a14="http://schemas.microsoft.com/office/drawing/2010/main" val="0"/>
-              </a:ext>
-            </a:extLst>
-          </a:blip>
-          <a:stretch>
-            <a:fillRect/>
-          </a:stretch>
-        </p:blipFill>
-        <p:spPr>
-          <a:xfrm>
-            <a:off x="718250" y="3506618"/>
-            <a:ext cx="9935962" cy="2248214"/>
-          </a:xfrm>
-          <a:prstGeom prst="rect">
-            <a:avLst/>
-          </a:prstGeom>
-        </p:spPr>
-      </p:pic>
     </p:spTree>
   </p:cSld>
   <p:clrMapOvr>
@@ -18932,7 +19102,7 @@
         <p:fade/>
       </p:transition>
     </mc:Choice>
-    <mc:Fallback xmlns:ahyp="http://schemas.microsoft.com/office/drawing/2018/hyperlinkcolor" xmlns:p15="http://schemas.microsoft.com/office/powerpoint/2012/main" xmlns:com="http://schemas.openxmlformats.org/drawingml/2006/compatibility" xmlns:pvml="urn:schemas-microsoft-com:office:powerpoint" xmlns:v="urn:schemas-microsoft-com:vml" xmlns:o="urn:schemas-microsoft-com:office:office" xmlns:dgm="http://schemas.openxmlformats.org/drawingml/2006/diagram" xmlns:c="http://schemas.openxmlformats.org/drawingml/2006/chart" xmlns:mv="urn:schemas-microsoft-com:mac:vml" xmlns="">
+    <mc:Fallback xmlns="" xmlns:mv="urn:schemas-microsoft-com:mac:vml" xmlns:c="http://schemas.openxmlformats.org/drawingml/2006/chart" xmlns:dgm="http://schemas.openxmlformats.org/drawingml/2006/diagram" xmlns:o="urn:schemas-microsoft-com:office:office" xmlns:v="urn:schemas-microsoft-com:vml" xmlns:pvml="urn:schemas-microsoft-com:office:powerpoint" xmlns:com="http://schemas.openxmlformats.org/drawingml/2006/compatibility" xmlns:p15="http://schemas.microsoft.com/office/powerpoint/2012/main" xmlns:ahyp="http://schemas.microsoft.com/office/drawing/2018/hyperlinkcolor">
       <p:transition spd="slow">
         <p:fade/>
       </p:transition>
@@ -19887,7 +20057,7 @@
         <p:fade/>
       </p:transition>
     </mc:Choice>
-    <mc:Fallback xmlns:ahyp="http://schemas.microsoft.com/office/drawing/2018/hyperlinkcolor" xmlns:p15="http://schemas.microsoft.com/office/powerpoint/2012/main" xmlns:com="http://schemas.openxmlformats.org/drawingml/2006/compatibility" xmlns:pvml="urn:schemas-microsoft-com:office:powerpoint" xmlns:v="urn:schemas-microsoft-com:vml" xmlns:o="urn:schemas-microsoft-com:office:office" xmlns:dgm="http://schemas.openxmlformats.org/drawingml/2006/diagram" xmlns:c="http://schemas.openxmlformats.org/drawingml/2006/chart" xmlns:mv="urn:schemas-microsoft-com:mac:vml" xmlns="">
+    <mc:Fallback xmlns="" xmlns:mv="urn:schemas-microsoft-com:mac:vml" xmlns:c="http://schemas.openxmlformats.org/drawingml/2006/chart" xmlns:dgm="http://schemas.openxmlformats.org/drawingml/2006/diagram" xmlns:o="urn:schemas-microsoft-com:office:office" xmlns:v="urn:schemas-microsoft-com:vml" xmlns:pvml="urn:schemas-microsoft-com:office:powerpoint" xmlns:com="http://schemas.openxmlformats.org/drawingml/2006/compatibility" xmlns:p15="http://schemas.microsoft.com/office/powerpoint/2012/main" xmlns:ahyp="http://schemas.microsoft.com/office/drawing/2018/hyperlinkcolor">
       <p:transition spd="slow">
         <p:fade/>
       </p:transition>
@@ -20405,7 +20575,7 @@
         <p:fade/>
       </p:transition>
     </mc:Choice>
-    <mc:Fallback xmlns:ahyp="http://schemas.microsoft.com/office/drawing/2018/hyperlinkcolor" xmlns:p15="http://schemas.microsoft.com/office/powerpoint/2012/main" xmlns:com="http://schemas.openxmlformats.org/drawingml/2006/compatibility" xmlns:pvml="urn:schemas-microsoft-com:office:powerpoint" xmlns:v="urn:schemas-microsoft-com:vml" xmlns:o="urn:schemas-microsoft-com:office:office" xmlns:dgm="http://schemas.openxmlformats.org/drawingml/2006/diagram" xmlns:c="http://schemas.openxmlformats.org/drawingml/2006/chart" xmlns:mv="urn:schemas-microsoft-com:mac:vml" xmlns="">
+    <mc:Fallback xmlns="" xmlns:mv="urn:schemas-microsoft-com:mac:vml" xmlns:c="http://schemas.openxmlformats.org/drawingml/2006/chart" xmlns:dgm="http://schemas.openxmlformats.org/drawingml/2006/diagram" xmlns:o="urn:schemas-microsoft-com:office:office" xmlns:v="urn:schemas-microsoft-com:vml" xmlns:pvml="urn:schemas-microsoft-com:office:powerpoint" xmlns:com="http://schemas.openxmlformats.org/drawingml/2006/compatibility" xmlns:p15="http://schemas.microsoft.com/office/powerpoint/2012/main" xmlns:ahyp="http://schemas.microsoft.com/office/drawing/2018/hyperlinkcolor">
       <p:transition spd="slow">
         <p:fade/>
       </p:transition>
@@ -20856,7 +21026,7 @@
         <p:fade/>
       </p:transition>
     </mc:Choice>
-    <mc:Fallback xmlns:ahyp="http://schemas.microsoft.com/office/drawing/2018/hyperlinkcolor" xmlns:p15="http://schemas.microsoft.com/office/powerpoint/2012/main" xmlns:com="http://schemas.openxmlformats.org/drawingml/2006/compatibility" xmlns:pvml="urn:schemas-microsoft-com:office:powerpoint" xmlns:v="urn:schemas-microsoft-com:vml" xmlns:o="urn:schemas-microsoft-com:office:office" xmlns:dgm="http://schemas.openxmlformats.org/drawingml/2006/diagram" xmlns:c="http://schemas.openxmlformats.org/drawingml/2006/chart" xmlns:mv="urn:schemas-microsoft-com:mac:vml" xmlns="">
+    <mc:Fallback xmlns="" xmlns:mv="urn:schemas-microsoft-com:mac:vml" xmlns:c="http://schemas.openxmlformats.org/drawingml/2006/chart" xmlns:dgm="http://schemas.openxmlformats.org/drawingml/2006/diagram" xmlns:o="urn:schemas-microsoft-com:office:office" xmlns:v="urn:schemas-microsoft-com:vml" xmlns:pvml="urn:schemas-microsoft-com:office:powerpoint" xmlns:com="http://schemas.openxmlformats.org/drawingml/2006/compatibility" xmlns:p15="http://schemas.microsoft.com/office/powerpoint/2012/main" xmlns:ahyp="http://schemas.microsoft.com/office/drawing/2018/hyperlinkcolor">
       <p:transition spd="slow">
         <p:fade/>
       </p:transition>
@@ -21248,7 +21418,7 @@
         <p:fade/>
       </p:transition>
     </mc:Choice>
-    <mc:Fallback xmlns:ahyp="http://schemas.microsoft.com/office/drawing/2018/hyperlinkcolor" xmlns:p15="http://schemas.microsoft.com/office/powerpoint/2012/main" xmlns:com="http://schemas.openxmlformats.org/drawingml/2006/compatibility" xmlns:pvml="urn:schemas-microsoft-com:office:powerpoint" xmlns:v="urn:schemas-microsoft-com:vml" xmlns:o="urn:schemas-microsoft-com:office:office" xmlns:dgm="http://schemas.openxmlformats.org/drawingml/2006/diagram" xmlns:c="http://schemas.openxmlformats.org/drawingml/2006/chart" xmlns:mv="urn:schemas-microsoft-com:mac:vml" xmlns="">
+    <mc:Fallback xmlns="" xmlns:mv="urn:schemas-microsoft-com:mac:vml" xmlns:c="http://schemas.openxmlformats.org/drawingml/2006/chart" xmlns:dgm="http://schemas.openxmlformats.org/drawingml/2006/diagram" xmlns:o="urn:schemas-microsoft-com:office:office" xmlns:v="urn:schemas-microsoft-com:vml" xmlns:pvml="urn:schemas-microsoft-com:office:powerpoint" xmlns:com="http://schemas.openxmlformats.org/drawingml/2006/compatibility" xmlns:p15="http://schemas.microsoft.com/office/powerpoint/2012/main" xmlns:ahyp="http://schemas.microsoft.com/office/drawing/2018/hyperlinkcolor">
       <p:transition spd="slow">
         <p:fade/>
       </p:transition>
@@ -21550,7 +21720,7 @@
         <p:fade/>
       </p:transition>
     </mc:Choice>
-    <mc:Fallback xmlns:ahyp="http://schemas.microsoft.com/office/drawing/2018/hyperlinkcolor" xmlns:p15="http://schemas.microsoft.com/office/powerpoint/2012/main" xmlns:com="http://schemas.openxmlformats.org/drawingml/2006/compatibility" xmlns:pvml="urn:schemas-microsoft-com:office:powerpoint" xmlns:v="urn:schemas-microsoft-com:vml" xmlns:o="urn:schemas-microsoft-com:office:office" xmlns:dgm="http://schemas.openxmlformats.org/drawingml/2006/diagram" xmlns:c="http://schemas.openxmlformats.org/drawingml/2006/chart" xmlns:mv="urn:schemas-microsoft-com:mac:vml" xmlns="">
+    <mc:Fallback xmlns="" xmlns:mv="urn:schemas-microsoft-com:mac:vml" xmlns:c="http://schemas.openxmlformats.org/drawingml/2006/chart" xmlns:dgm="http://schemas.openxmlformats.org/drawingml/2006/diagram" xmlns:o="urn:schemas-microsoft-com:office:office" xmlns:v="urn:schemas-microsoft-com:vml" xmlns:pvml="urn:schemas-microsoft-com:office:powerpoint" xmlns:com="http://schemas.openxmlformats.org/drawingml/2006/compatibility" xmlns:p15="http://schemas.microsoft.com/office/powerpoint/2012/main" xmlns:ahyp="http://schemas.microsoft.com/office/drawing/2018/hyperlinkcolor">
       <p:transition spd="slow">
         <p:fade/>
       </p:transition>
@@ -21730,7 +21900,7 @@
         <p:fade/>
       </p:transition>
     </mc:Choice>
-    <mc:Fallback xmlns:ahyp="http://schemas.microsoft.com/office/drawing/2018/hyperlinkcolor" xmlns:p15="http://schemas.microsoft.com/office/powerpoint/2012/main" xmlns:com="http://schemas.openxmlformats.org/drawingml/2006/compatibility" xmlns:pvml="urn:schemas-microsoft-com:office:powerpoint" xmlns:v="urn:schemas-microsoft-com:vml" xmlns:o="urn:schemas-microsoft-com:office:office" xmlns:dgm="http://schemas.openxmlformats.org/drawingml/2006/diagram" xmlns:c="http://schemas.openxmlformats.org/drawingml/2006/chart" xmlns:mv="urn:schemas-microsoft-com:mac:vml" xmlns="">
+    <mc:Fallback xmlns="" xmlns:mv="urn:schemas-microsoft-com:mac:vml" xmlns:c="http://schemas.openxmlformats.org/drawingml/2006/chart" xmlns:dgm="http://schemas.openxmlformats.org/drawingml/2006/diagram" xmlns:o="urn:schemas-microsoft-com:office:office" xmlns:v="urn:schemas-microsoft-com:vml" xmlns:pvml="urn:schemas-microsoft-com:office:powerpoint" xmlns:com="http://schemas.openxmlformats.org/drawingml/2006/compatibility" xmlns:p15="http://schemas.microsoft.com/office/powerpoint/2012/main" xmlns:ahyp="http://schemas.microsoft.com/office/drawing/2018/hyperlinkcolor">
       <p:transition spd="slow">
         <p:fade/>
       </p:transition>
